--- a/python/3-identifier_keywords_comments.pptx
+++ b/python/3-identifier_keywords_comments.pptx
@@ -6247,6 +6247,30 @@
           <a:xfrm>
             <a:off x="11191536" y="99948"/>
             <a:ext cx="903642" cy="904077"/>
+          </a:xfrm>
+          <a:prstGeom prst="rect">
+            <a:avLst/>
+          </a:prstGeom>
+        </p:spPr>
+      </p:pic>
+      <p:pic>
+        <p:nvPicPr>
+          <p:cNvPr id="4" name="Picture 3"/>
+          <p:cNvPicPr>
+            <a:picLocks noChangeAspect="1"/>
+          </p:cNvPicPr>
+          <p:nvPr/>
+        </p:nvPicPr>
+        <p:blipFill>
+          <a:blip r:embed="rId5"/>
+          <a:stretch>
+            <a:fillRect/>
+          </a:stretch>
+        </p:blipFill>
+        <p:spPr>
+          <a:xfrm>
+            <a:off x="1093919" y="3030687"/>
+            <a:ext cx="6819900" cy="1076325"/>
           </a:xfrm>
           <a:prstGeom prst="rect">
             <a:avLst/>
